--- a/presentation/Build your first ML Model.pptx
+++ b/presentation/Build your first ML Model.pptx
@@ -17,11 +17,11 @@
     <p:sldId id="260" r:id="rId8"/>
     <p:sldId id="263" r:id="rId9"/>
     <p:sldId id="265" r:id="rId10"/>
-    <p:sldId id="264" r:id="rId11"/>
-    <p:sldId id="267" r:id="rId12"/>
-    <p:sldId id="266" r:id="rId13"/>
+    <p:sldId id="268" r:id="rId11"/>
+    <p:sldId id="264" r:id="rId12"/>
+    <p:sldId id="267" r:id="rId13"/>
     <p:sldId id="271" r:id="rId14"/>
-    <p:sldId id="268" r:id="rId15"/>
+    <p:sldId id="266" r:id="rId15"/>
     <p:sldId id="269" r:id="rId16"/>
     <p:sldId id="272" r:id="rId17"/>
   </p:sldIdLst>
@@ -644,6 +644,42 @@
           <a:bodyPr/>
           <a:lstStyle/>
           <a:p>
+            <a:pPr marL="0" marR="0" lvl="0" indent="0" algn="l" defTabSz="914400" rtl="0" eaLnBrk="1" fontAlgn="auto" latinLnBrk="0" hangingPunct="1">
+              <a:lnSpc>
+                <a:spcPct val="100000"/>
+              </a:lnSpc>
+              <a:spcBef>
+                <a:spcPts val="0"/>
+              </a:spcBef>
+              <a:spcAft>
+                <a:spcPts val="0"/>
+              </a:spcAft>
+              <a:buClrTx/>
+              <a:buSzTx/>
+              <a:buFontTx/>
+              <a:buNone/>
+              <a:tabLst/>
+              <a:defRPr/>
+            </a:pPr>
+            <a:r>
+              <a:rPr lang="de-DE" sz="1200" dirty="0">
+                <a:solidFill>
+                  <a:schemeClr val="bg1">
+                    <a:lumMod val="50000"/>
+                  </a:schemeClr>
+                </a:solidFill>
+              </a:rPr>
+              <a:t>Source:	https://nholmber.github.io/2018/09/google-colab/</a:t>
+            </a:r>
+            <a:endParaRPr lang="en-GB" sz="1200" dirty="0">
+              <a:solidFill>
+                <a:schemeClr val="bg1">
+                  <a:lumMod val="50000"/>
+                </a:schemeClr>
+              </a:solidFill>
+            </a:endParaRPr>
+          </a:p>
+          <a:p>
             <a:endParaRPr lang="en-GB" dirty="0"/>
           </a:p>
         </p:txBody>
@@ -674,7 +710,7 @@
     </p:spTree>
     <p:extLst>
       <p:ext uri="{BB962C8B-B14F-4D97-AF65-F5344CB8AC3E}">
-        <p14:creationId xmlns:p14="http://schemas.microsoft.com/office/powerpoint/2010/main" val="996195483"/>
+        <p14:creationId xmlns:p14="http://schemas.microsoft.com/office/powerpoint/2010/main" val="2164075895"/>
       </p:ext>
     </p:extLst>
   </p:cSld>
@@ -727,6 +763,42 @@
         <p:txBody>
           <a:bodyPr/>
           <a:lstStyle/>
+          <a:p>
+            <a:pPr marL="0" marR="0" lvl="0" indent="0" algn="l" defTabSz="914400" rtl="0" eaLnBrk="1" fontAlgn="auto" latinLnBrk="0" hangingPunct="1">
+              <a:lnSpc>
+                <a:spcPct val="100000"/>
+              </a:lnSpc>
+              <a:spcBef>
+                <a:spcPts val="0"/>
+              </a:spcBef>
+              <a:spcAft>
+                <a:spcPts val="0"/>
+              </a:spcAft>
+              <a:buClrTx/>
+              <a:buSzTx/>
+              <a:buFontTx/>
+              <a:buNone/>
+              <a:tabLst/>
+              <a:defRPr/>
+            </a:pPr>
+            <a:r>
+              <a:rPr lang="de-DE" sz="1200" dirty="0">
+                <a:solidFill>
+                  <a:schemeClr val="bg1">
+                    <a:lumMod val="50000"/>
+                  </a:schemeClr>
+                </a:solidFill>
+              </a:rPr>
+              <a:t>Source:	https://www.kaggle.com/iorideepp/your-first-machine-learning-model</a:t>
+            </a:r>
+            <a:endParaRPr lang="en-GB" sz="1200" dirty="0">
+              <a:solidFill>
+                <a:schemeClr val="bg1">
+                  <a:lumMod val="50000"/>
+                </a:schemeClr>
+              </a:solidFill>
+            </a:endParaRPr>
+          </a:p>
           <a:p>
             <a:endParaRPr lang="en-GB" dirty="0"/>
           </a:p>
@@ -842,7 +914,7 @@
     </p:spTree>
     <p:extLst>
       <p:ext uri="{BB962C8B-B14F-4D97-AF65-F5344CB8AC3E}">
-        <p14:creationId xmlns:p14="http://schemas.microsoft.com/office/powerpoint/2010/main" val="2760972967"/>
+        <p14:creationId xmlns:p14="http://schemas.microsoft.com/office/powerpoint/2010/main" val="996195483"/>
       </p:ext>
     </p:extLst>
   </p:cSld>
@@ -1761,7 +1833,7 @@
                   </a:schemeClr>
                 </a:solidFill>
               </a:rPr>
-              <a:t>Source:	https://www.kaggle.com/dansbecker/your-first-machine-learning-model/data</a:t>
+              <a:t>Source:	http://www.houseofbots.com/images/news/3581/cover.png</a:t>
             </a:r>
             <a:endParaRPr lang="en-GB" sz="1200" dirty="0">
               <a:solidFill>
@@ -1802,7 +1874,7 @@
     </p:spTree>
     <p:extLst>
       <p:ext uri="{BB962C8B-B14F-4D97-AF65-F5344CB8AC3E}">
-        <p14:creationId xmlns:p14="http://schemas.microsoft.com/office/powerpoint/2010/main" val="930108213"/>
+        <p14:creationId xmlns:p14="http://schemas.microsoft.com/office/powerpoint/2010/main" val="2760972967"/>
       </p:ext>
     </p:extLst>
   </p:cSld>
@@ -1881,7 +1953,7 @@
                   </a:schemeClr>
                 </a:solidFill>
               </a:rPr>
-              <a:t>Source:	https://nholmber.github.io/2018/09/google-colab/</a:t>
+              <a:t>Source:	https://www.kaggle.com/dansbecker/your-first-machine-learning-model/data</a:t>
             </a:r>
             <a:endParaRPr lang="en-GB" sz="1200" dirty="0">
               <a:solidFill>
@@ -1922,7 +1994,7 @@
     </p:spTree>
     <p:extLst>
       <p:ext uri="{BB962C8B-B14F-4D97-AF65-F5344CB8AC3E}">
-        <p14:creationId xmlns:p14="http://schemas.microsoft.com/office/powerpoint/2010/main" val="2164075895"/>
+        <p14:creationId xmlns:p14="http://schemas.microsoft.com/office/powerpoint/2010/main" val="930108213"/>
       </p:ext>
     </p:extLst>
   </p:cSld>
@@ -5384,6 +5456,101 @@
           <a:p>
             <a:r>
               <a:rPr lang="de-DE" dirty="0"/>
+              <a:t>Getting started</a:t>
+            </a:r>
+            <a:endParaRPr lang="en-GB" dirty="0"/>
+          </a:p>
+        </p:txBody>
+      </p:sp>
+      <p:pic>
+        <p:nvPicPr>
+          <p:cNvPr id="8" name="Picture 7" descr="A picture containing clock&#10;&#10;Description automatically generated">
+            <a:extLst>
+              <a:ext uri="{FF2B5EF4-FFF2-40B4-BE49-F238E27FC236}">
+                <a16:creationId xmlns:a16="http://schemas.microsoft.com/office/drawing/2014/main" id="{EE381D66-2355-4BB2-ACCA-C29A7E24AF5D}"/>
+              </a:ext>
+            </a:extLst>
+          </p:cNvPr>
+          <p:cNvPicPr>
+            <a:picLocks noChangeAspect="1"/>
+          </p:cNvPicPr>
+          <p:nvPr/>
+        </p:nvPicPr>
+        <p:blipFill>
+          <a:blip r:embed="rId3">
+            <a:extLst>
+              <a:ext uri="{28A0092B-C50C-407E-A947-70E740481C1C}">
+                <a14:useLocalDpi xmlns:a14="http://schemas.microsoft.com/office/drawing/2010/main" val="0"/>
+              </a:ext>
+            </a:extLst>
+          </a:blip>
+          <a:stretch>
+            <a:fillRect/>
+          </a:stretch>
+        </p:blipFill>
+        <p:spPr>
+          <a:xfrm>
+            <a:off x="1817915" y="1811559"/>
+            <a:ext cx="8417767" cy="3872173"/>
+          </a:xfrm>
+          <a:prstGeom prst="rect">
+            <a:avLst/>
+          </a:prstGeom>
+        </p:spPr>
+      </p:pic>
+    </p:spTree>
+    <p:extLst>
+      <p:ext uri="{BB962C8B-B14F-4D97-AF65-F5344CB8AC3E}">
+        <p14:creationId xmlns:p14="http://schemas.microsoft.com/office/powerpoint/2010/main" val="1640655748"/>
+      </p:ext>
+    </p:extLst>
+  </p:cSld>
+  <p:clrMapOvr>
+    <a:masterClrMapping/>
+  </p:clrMapOvr>
+</p:sld>
+</file>
+
+<file path=ppt/slides/slide11.xml><?xml version="1.0" encoding="utf-8"?>
+<p:sld xmlns:a="http://schemas.openxmlformats.org/drawingml/2006/main" xmlns:r="http://schemas.openxmlformats.org/officeDocument/2006/relationships" xmlns:p="http://schemas.openxmlformats.org/presentationml/2006/main">
+  <p:cSld>
+    <p:spTree>
+      <p:nvGrpSpPr>
+        <p:cNvPr id="1" name=""/>
+        <p:cNvGrpSpPr/>
+        <p:nvPr/>
+      </p:nvGrpSpPr>
+      <p:grpSpPr>
+        <a:xfrm>
+          <a:off x="0" y="0"/>
+          <a:ext cx="0" cy="0"/>
+          <a:chOff x="0" y="0"/>
+          <a:chExt cx="0" cy="0"/>
+        </a:xfrm>
+      </p:grpSpPr>
+      <p:sp>
+        <p:nvSpPr>
+          <p:cNvPr id="2" name="Title 1">
+            <a:extLst>
+              <a:ext uri="{FF2B5EF4-FFF2-40B4-BE49-F238E27FC236}">
+                <a16:creationId xmlns:a16="http://schemas.microsoft.com/office/drawing/2014/main" id="{0690A704-B693-40BF-8500-891D161EEBF9}"/>
+              </a:ext>
+            </a:extLst>
+          </p:cNvPr>
+          <p:cNvSpPr>
+            <a:spLocks noGrp="1"/>
+          </p:cNvSpPr>
+          <p:nvPr>
+            <p:ph type="title"/>
+          </p:nvPr>
+        </p:nvSpPr>
+        <p:spPr/>
+        <p:txBody>
+          <a:bodyPr/>
+          <a:lstStyle/>
+          <a:p>
+            <a:r>
+              <a:rPr lang="de-DE" dirty="0"/>
               <a:t>Dataset:	Houses in Iowa</a:t>
             </a:r>
             <a:endParaRPr lang="en-GB" dirty="0"/>
@@ -5433,7 +5600,7 @@
 </p:sld>
 </file>
 
-<file path=ppt/slides/slide11.xml><?xml version="1.0" encoding="utf-8"?>
+<file path=ppt/slides/slide12.xml><?xml version="1.0" encoding="utf-8"?>
 <p:sld xmlns:a="http://schemas.openxmlformats.org/drawingml/2006/main" xmlns:r="http://schemas.openxmlformats.org/officeDocument/2006/relationships" xmlns:p="http://schemas.openxmlformats.org/presentationml/2006/main">
   <p:cSld>
     <p:spTree>
@@ -5607,214 +5774,6 @@
 </p:sld>
 </file>
 
-<file path=ppt/slides/slide12.xml><?xml version="1.0" encoding="utf-8"?>
-<p:sld xmlns:a="http://schemas.openxmlformats.org/drawingml/2006/main" xmlns:r="http://schemas.openxmlformats.org/officeDocument/2006/relationships" xmlns:p="http://schemas.openxmlformats.org/presentationml/2006/main">
-  <p:cSld>
-    <p:spTree>
-      <p:nvGrpSpPr>
-        <p:cNvPr id="1" name=""/>
-        <p:cNvGrpSpPr/>
-        <p:nvPr/>
-      </p:nvGrpSpPr>
-      <p:grpSpPr>
-        <a:xfrm>
-          <a:off x="0" y="0"/>
-          <a:ext cx="0" cy="0"/>
-          <a:chOff x="0" y="0"/>
-          <a:chExt cx="0" cy="0"/>
-        </a:xfrm>
-      </p:grpSpPr>
-      <p:sp>
-        <p:nvSpPr>
-          <p:cNvPr id="2" name="Title 1">
-            <a:extLst>
-              <a:ext uri="{FF2B5EF4-FFF2-40B4-BE49-F238E27FC236}">
-                <a16:creationId xmlns:a16="http://schemas.microsoft.com/office/drawing/2014/main" id="{0690A704-B693-40BF-8500-891D161EEBF9}"/>
-              </a:ext>
-            </a:extLst>
-          </p:cNvPr>
-          <p:cNvSpPr>
-            <a:spLocks noGrp="1"/>
-          </p:cNvSpPr>
-          <p:nvPr>
-            <p:ph type="title"/>
-          </p:nvPr>
-        </p:nvSpPr>
-        <p:spPr/>
-        <p:txBody>
-          <a:bodyPr/>
-          <a:lstStyle/>
-          <a:p>
-            <a:r>
-              <a:rPr lang="de-DE" dirty="0"/>
-              <a:t>Setup Environment</a:t>
-            </a:r>
-            <a:endParaRPr lang="en-GB" dirty="0"/>
-          </a:p>
-        </p:txBody>
-      </p:sp>
-      <p:sp>
-        <p:nvSpPr>
-          <p:cNvPr id="4" name="Content Placeholder 3">
-            <a:extLst>
-              <a:ext uri="{FF2B5EF4-FFF2-40B4-BE49-F238E27FC236}">
-                <a16:creationId xmlns:a16="http://schemas.microsoft.com/office/drawing/2014/main" id="{10264A8F-413D-40EF-A282-5F390DB0283C}"/>
-              </a:ext>
-            </a:extLst>
-          </p:cNvPr>
-          <p:cNvSpPr>
-            <a:spLocks noGrp="1"/>
-          </p:cNvSpPr>
-          <p:nvPr>
-            <p:ph idx="1"/>
-          </p:nvPr>
-        </p:nvSpPr>
-        <p:spPr/>
-        <p:txBody>
-          <a:bodyPr>
-            <a:normAutofit/>
-          </a:bodyPr>
-          <a:lstStyle/>
-          <a:p>
-            <a:pPr marL="514350" indent="-514350">
-              <a:buFont typeface="+mj-lt"/>
-              <a:buAutoNum type="arabicPeriod"/>
-            </a:pPr>
-            <a:r>
-              <a:rPr lang="de-DE" dirty="0"/>
-              <a:t>Start the laptop and login</a:t>
-            </a:r>
-          </a:p>
-          <a:p>
-            <a:pPr marL="514350" indent="-514350">
-              <a:buFont typeface="+mj-lt"/>
-              <a:buAutoNum type="arabicPeriod"/>
-            </a:pPr>
-            <a:r>
-              <a:rPr lang="de-DE" dirty="0"/>
-              <a:t>Open the public respository:	https://github.com/RobinRojowiec/your-first-model-ml-intro</a:t>
-            </a:r>
-          </a:p>
-          <a:p>
-            <a:pPr marL="514350" indent="-514350">
-              <a:buFont typeface="+mj-lt"/>
-              <a:buAutoNum type="arabicPeriod"/>
-            </a:pPr>
-            <a:r>
-              <a:rPr lang="de-DE" dirty="0"/>
-              <a:t>If you don‘t have a google account, create one</a:t>
-            </a:r>
-            <a:r>
-              <a:rPr lang="en-GB" dirty="0"/>
-              <a:t> here: </a:t>
-            </a:r>
-            <a:r>
-              <a:rPr lang="en-GB" dirty="0">
-                <a:hlinkClick r:id="rId3"/>
-              </a:rPr>
-              <a:t>https://accounts.google.com/signup</a:t>
-            </a:r>
-            <a:endParaRPr lang="en-GB" dirty="0"/>
-          </a:p>
-          <a:p>
-            <a:pPr marL="514350" indent="-514350">
-              <a:buFont typeface="+mj-lt"/>
-              <a:buAutoNum type="arabicPeriod"/>
-            </a:pPr>
-            <a:r>
-              <a:rPr lang="en-GB" dirty="0"/>
-              <a:t>Login to Google Collab: </a:t>
-            </a:r>
-            <a:r>
-              <a:rPr lang="en-GB" dirty="0">
-                <a:hlinkClick r:id="rId4"/>
-              </a:rPr>
-              <a:t>https://colab.research.google.com/</a:t>
-            </a:r>
-            <a:endParaRPr lang="en-GB" dirty="0"/>
-          </a:p>
-          <a:p>
-            <a:pPr marL="514350" indent="-514350">
-              <a:buFont typeface="+mj-lt"/>
-              <a:buAutoNum type="arabicPeriod"/>
-            </a:pPr>
-            <a:r>
-              <a:rPr lang="en-GB" dirty="0"/>
-              <a:t>Import the Notebook from </a:t>
-            </a:r>
-            <a:r>
-              <a:rPr lang="en-GB" dirty="0" err="1"/>
-              <a:t>Github</a:t>
-            </a:r>
-            <a:r>
-              <a:rPr lang="en-GB" dirty="0"/>
-              <a:t>:</a:t>
-            </a:r>
-          </a:p>
-          <a:p>
-            <a:pPr marL="971550" lvl="1" indent="-514350">
-              <a:buFont typeface="+mj-lt"/>
-              <a:buAutoNum type="arabicPeriod"/>
-            </a:pPr>
-            <a:r>
-              <a:rPr lang="en-GB" dirty="0" err="1"/>
-              <a:t>Goto</a:t>
-            </a:r>
-            <a:r>
-              <a:rPr lang="en-GB" dirty="0"/>
-              <a:t> File-&gt;Open Notebook</a:t>
-            </a:r>
-          </a:p>
-          <a:p>
-            <a:pPr marL="971550" lvl="1" indent="-514350">
-              <a:buFont typeface="+mj-lt"/>
-              <a:buAutoNum type="arabicPeriod"/>
-            </a:pPr>
-            <a:r>
-              <a:rPr lang="en-GB" dirty="0"/>
-              <a:t>Select </a:t>
-            </a:r>
-            <a:r>
-              <a:rPr lang="en-GB" dirty="0" err="1"/>
-              <a:t>Github</a:t>
-            </a:r>
-            <a:endParaRPr lang="en-GB" dirty="0"/>
-          </a:p>
-          <a:p>
-            <a:pPr marL="971550" lvl="1" indent="-514350">
-              <a:buFont typeface="+mj-lt"/>
-              <a:buAutoNum type="arabicPeriod"/>
-            </a:pPr>
-            <a:r>
-              <a:rPr lang="en-GB" dirty="0"/>
-              <a:t>Paste the following URL:</a:t>
-            </a:r>
-          </a:p>
-          <a:p>
-            <a:pPr marL="971550" lvl="1" indent="-514350">
-              <a:buFont typeface="+mj-lt"/>
-              <a:buAutoNum type="arabicPeriod"/>
-            </a:pPr>
-            <a:r>
-              <a:rPr lang="en-GB" dirty="0"/>
-              <a:t>Press Upload</a:t>
-            </a:r>
-          </a:p>
-        </p:txBody>
-      </p:sp>
-    </p:spTree>
-    <p:extLst>
-      <p:ext uri="{BB962C8B-B14F-4D97-AF65-F5344CB8AC3E}">
-        <p14:creationId xmlns:p14="http://schemas.microsoft.com/office/powerpoint/2010/main" val="1781241245"/>
-      </p:ext>
-    </p:extLst>
-  </p:cSld>
-  <p:clrMapOvr>
-    <a:masterClrMapping/>
-  </p:clrMapOvr>
-</p:sld>
-</file>
-
 <file path=ppt/slides/slide13.xml><?xml version="1.0" encoding="utf-8"?>
 <p:sld xmlns:a="http://schemas.openxmlformats.org/drawingml/2006/main" xmlns:r="http://schemas.openxmlformats.org/officeDocument/2006/relationships" xmlns:p="http://schemas.openxmlformats.org/presentationml/2006/main">
   <p:cSld>
@@ -5898,54 +5857,6 @@
               <a:rPr lang="de-DE" dirty="0"/>
               <a:t>SciKit-Learn</a:t>
             </a:r>
-          </a:p>
-        </p:txBody>
-      </p:sp>
-      <p:sp>
-        <p:nvSpPr>
-          <p:cNvPr id="9" name="TextBox 8">
-            <a:extLst>
-              <a:ext uri="{FF2B5EF4-FFF2-40B4-BE49-F238E27FC236}">
-                <a16:creationId xmlns:a16="http://schemas.microsoft.com/office/drawing/2014/main" id="{330CE3CF-3CEB-4BE2-9EEC-7579B77CDEA2}"/>
-              </a:ext>
-            </a:extLst>
-          </p:cNvPr>
-          <p:cNvSpPr txBox="1"/>
-          <p:nvPr/>
-        </p:nvSpPr>
-        <p:spPr>
-          <a:xfrm>
-            <a:off x="0" y="6540698"/>
-            <a:ext cx="6274859" cy="307777"/>
-          </a:xfrm>
-          <a:prstGeom prst="rect">
-            <a:avLst/>
-          </a:prstGeom>
-          <a:noFill/>
-        </p:spPr>
-        <p:txBody>
-          <a:bodyPr wrap="none" rtlCol="0">
-            <a:spAutoFit/>
-          </a:bodyPr>
-          <a:lstStyle/>
-          <a:p>
-            <a:r>
-              <a:rPr lang="de-DE" sz="1400" dirty="0">
-                <a:solidFill>
-                  <a:schemeClr val="bg1">
-                    <a:lumMod val="50000"/>
-                  </a:schemeClr>
-                </a:solidFill>
-              </a:rPr>
-              <a:t>Source:	https://www.kaggle.com/iorideepp/your-first-machine-learning-model</a:t>
-            </a:r>
-            <a:endParaRPr lang="en-GB" sz="1400" dirty="0">
-              <a:solidFill>
-                <a:schemeClr val="bg1">
-                  <a:lumMod val="50000"/>
-                </a:schemeClr>
-              </a:solidFill>
-            </a:endParaRPr>
           </a:p>
         </p:txBody>
       </p:sp>
@@ -6002,100 +5913,165 @@
           <a:p>
             <a:r>
               <a:rPr lang="de-DE" dirty="0"/>
-              <a:t>Getting started</a:t>
+              <a:t>Setup Environment</a:t>
             </a:r>
             <a:endParaRPr lang="en-GB" dirty="0"/>
           </a:p>
         </p:txBody>
       </p:sp>
-      <p:pic>
-        <p:nvPicPr>
-          <p:cNvPr id="8" name="Picture 7" descr="A picture containing clock&#10;&#10;Description automatically generated">
+      <p:sp>
+        <p:nvSpPr>
+          <p:cNvPr id="4" name="Content Placeholder 3">
             <a:extLst>
               <a:ext uri="{FF2B5EF4-FFF2-40B4-BE49-F238E27FC236}">
-                <a16:creationId xmlns:a16="http://schemas.microsoft.com/office/drawing/2014/main" id="{EE381D66-2355-4BB2-ACCA-C29A7E24AF5D}"/>
+                <a16:creationId xmlns:a16="http://schemas.microsoft.com/office/drawing/2014/main" id="{10264A8F-413D-40EF-A282-5F390DB0283C}"/>
               </a:ext>
             </a:extLst>
           </p:cNvPr>
-          <p:cNvPicPr>
-            <a:picLocks noChangeAspect="1"/>
-          </p:cNvPicPr>
-          <p:nvPr/>
-        </p:nvPicPr>
-        <p:blipFill>
-          <a:blip r:embed="rId3">
-            <a:extLst>
-              <a:ext uri="{28A0092B-C50C-407E-A947-70E740481C1C}">
-                <a14:useLocalDpi xmlns:a14="http://schemas.microsoft.com/office/drawing/2010/main" val="0"/>
-              </a:ext>
-            </a:extLst>
-          </a:blip>
-          <a:stretch>
-            <a:fillRect/>
-          </a:stretch>
-        </p:blipFill>
-        <p:spPr>
-          <a:xfrm>
-            <a:off x="1817915" y="1811559"/>
-            <a:ext cx="8417767" cy="3872173"/>
-          </a:xfrm>
-          <a:prstGeom prst="rect">
-            <a:avLst/>
-          </a:prstGeom>
-        </p:spPr>
-      </p:pic>
-      <p:sp>
-        <p:nvSpPr>
-          <p:cNvPr id="9" name="TextBox 8">
-            <a:extLst>
-              <a:ext uri="{FF2B5EF4-FFF2-40B4-BE49-F238E27FC236}">
-                <a16:creationId xmlns:a16="http://schemas.microsoft.com/office/drawing/2014/main" id="{330CE3CF-3CEB-4BE2-9EEC-7579B77CDEA2}"/>
-              </a:ext>
-            </a:extLst>
-          </p:cNvPr>
-          <p:cNvSpPr txBox="1"/>
-          <p:nvPr/>
-        </p:nvSpPr>
-        <p:spPr>
-          <a:xfrm>
-            <a:off x="-16934" y="6543677"/>
-            <a:ext cx="5524076" cy="307777"/>
-          </a:xfrm>
-          <a:prstGeom prst="rect">
-            <a:avLst/>
-          </a:prstGeom>
-          <a:noFill/>
-        </p:spPr>
-        <p:txBody>
-          <a:bodyPr wrap="none" rtlCol="0">
-            <a:spAutoFit/>
+          <p:cNvSpPr>
+            <a:spLocks noGrp="1"/>
+          </p:cNvSpPr>
+          <p:nvPr>
+            <p:ph idx="1"/>
+          </p:nvPr>
+        </p:nvSpPr>
+        <p:spPr/>
+        <p:txBody>
+          <a:bodyPr>
+            <a:normAutofit/>
           </a:bodyPr>
           <a:lstStyle/>
           <a:p>
-            <a:r>
-              <a:rPr lang="de-DE" sz="1400" dirty="0">
-                <a:solidFill>
-                  <a:schemeClr val="bg1">
-                    <a:lumMod val="50000"/>
-                  </a:schemeClr>
-                </a:solidFill>
+            <a:pPr marL="514350" indent="-514350">
+              <a:buFont typeface="+mj-lt"/>
+              <a:buAutoNum type="arabicPeriod"/>
+            </a:pPr>
+            <a:r>
+              <a:rPr lang="de-DE" dirty="0"/>
+              <a:t>Start the laptop and login</a:t>
+            </a:r>
+          </a:p>
+          <a:p>
+            <a:pPr marL="514350" indent="-514350">
+              <a:buFont typeface="+mj-lt"/>
+              <a:buAutoNum type="arabicPeriod"/>
+            </a:pPr>
+            <a:r>
+              <a:rPr lang="de-DE" dirty="0"/>
+              <a:t>Open the public respository:	https://github.com/RobinRojowiec/your-first-model-ml-intro</a:t>
+            </a:r>
+          </a:p>
+          <a:p>
+            <a:pPr marL="514350" indent="-514350">
+              <a:buFont typeface="+mj-lt"/>
+              <a:buAutoNum type="arabicPeriod"/>
+            </a:pPr>
+            <a:r>
+              <a:rPr lang="de-DE" dirty="0"/>
+              <a:t>If you don‘t have a google account, create one</a:t>
+            </a:r>
+            <a:r>
+              <a:rPr lang="en-GB" dirty="0"/>
+              <a:t> here: </a:t>
+            </a:r>
+            <a:r>
+              <a:rPr lang="en-GB" dirty="0">
+                <a:hlinkClick r:id="rId3"/>
               </a:rPr>
-              <a:t>Source:	http://www.houseofbots.com/images/news/3581/cover.png</a:t>
-            </a:r>
-            <a:endParaRPr lang="en-GB" sz="1400" dirty="0">
-              <a:solidFill>
-                <a:schemeClr val="bg1">
-                  <a:lumMod val="50000"/>
-                </a:schemeClr>
-              </a:solidFill>
-            </a:endParaRPr>
+              <a:t>https://accounts.google.com/signup</a:t>
+            </a:r>
+            <a:endParaRPr lang="en-GB" dirty="0"/>
+          </a:p>
+          <a:p>
+            <a:pPr marL="514350" indent="-514350">
+              <a:buFont typeface="+mj-lt"/>
+              <a:buAutoNum type="arabicPeriod"/>
+            </a:pPr>
+            <a:r>
+              <a:rPr lang="en-GB" dirty="0"/>
+              <a:t>Login to Google Collab: </a:t>
+            </a:r>
+            <a:r>
+              <a:rPr lang="en-GB" dirty="0">
+                <a:hlinkClick r:id="rId4"/>
+              </a:rPr>
+              <a:t>https://colab.research.google.com/</a:t>
+            </a:r>
+            <a:endParaRPr lang="en-GB" dirty="0"/>
+          </a:p>
+          <a:p>
+            <a:pPr marL="514350" indent="-514350">
+              <a:buFont typeface="+mj-lt"/>
+              <a:buAutoNum type="arabicPeriod"/>
+            </a:pPr>
+            <a:r>
+              <a:rPr lang="en-GB" dirty="0"/>
+              <a:t>Import the Notebook from </a:t>
+            </a:r>
+            <a:r>
+              <a:rPr lang="en-GB" dirty="0" err="1"/>
+              <a:t>Github</a:t>
+            </a:r>
+            <a:r>
+              <a:rPr lang="en-GB" dirty="0"/>
+              <a:t>:</a:t>
+            </a:r>
+          </a:p>
+          <a:p>
+            <a:pPr marL="971550" lvl="1" indent="-514350">
+              <a:buFont typeface="+mj-lt"/>
+              <a:buAutoNum type="arabicPeriod"/>
+            </a:pPr>
+            <a:r>
+              <a:rPr lang="en-GB" dirty="0" err="1"/>
+              <a:t>Goto</a:t>
+            </a:r>
+            <a:r>
+              <a:rPr lang="en-GB" dirty="0"/>
+              <a:t> File-&gt;Open Notebook</a:t>
+            </a:r>
+          </a:p>
+          <a:p>
+            <a:pPr marL="971550" lvl="1" indent="-514350">
+              <a:buFont typeface="+mj-lt"/>
+              <a:buAutoNum type="arabicPeriod"/>
+            </a:pPr>
+            <a:r>
+              <a:rPr lang="en-GB" dirty="0"/>
+              <a:t>Select </a:t>
+            </a:r>
+            <a:r>
+              <a:rPr lang="en-GB" dirty="0" err="1"/>
+              <a:t>Github</a:t>
+            </a:r>
+            <a:endParaRPr lang="en-GB" dirty="0"/>
+          </a:p>
+          <a:p>
+            <a:pPr marL="971550" lvl="1" indent="-514350">
+              <a:buFont typeface="+mj-lt"/>
+              <a:buAutoNum type="arabicPeriod"/>
+            </a:pPr>
+            <a:r>
+              <a:rPr lang="en-GB" dirty="0"/>
+              <a:t>Paste the following URL:</a:t>
+            </a:r>
+          </a:p>
+          <a:p>
+            <a:pPr marL="971550" lvl="1" indent="-514350">
+              <a:buFont typeface="+mj-lt"/>
+              <a:buAutoNum type="arabicPeriod"/>
+            </a:pPr>
+            <a:r>
+              <a:rPr lang="en-GB" dirty="0"/>
+              <a:t>Press Upload</a:t>
+            </a:r>
           </a:p>
         </p:txBody>
       </p:sp>
     </p:spTree>
     <p:extLst>
       <p:ext uri="{BB962C8B-B14F-4D97-AF65-F5344CB8AC3E}">
-        <p14:creationId xmlns:p14="http://schemas.microsoft.com/office/powerpoint/2010/main" val="1640655748"/>
+        <p14:creationId xmlns:p14="http://schemas.microsoft.com/office/powerpoint/2010/main" val="1781241245"/>
       </p:ext>
     </p:extLst>
   </p:cSld>
